--- a/static/slides/w1-l2.pptx
+++ b/static/slides/w1-l2.pptx
@@ -2,26 +2,26 @@
 <file path=ppt/presentation.xml><?xml version="1.0" encoding="utf-8"?>
 <p:presentation xmlns:a="http://schemas.openxmlformats.org/drawingml/2006/main" xmlns:r="http://schemas.openxmlformats.org/officeDocument/2006/relationships" xmlns:p="http://schemas.openxmlformats.org/presentationml/2006/main">
   <p:sldMasterIdLst>
-    <p:sldMasterId id="2147483648" r:id="rId1"/>
-    <p:sldMasterId id="2147483661" r:id="rId2"/>
+    <p:sldMasterId id="2147483648" r:id="rId4"/>
+    <p:sldMasterId id="2147483661" r:id="rId5"/>
   </p:sldMasterIdLst>
   <p:sldIdLst>
-    <p:sldId id="256" r:id="rId3"/>
-    <p:sldId id="257" r:id="rId4"/>
-    <p:sldId id="258" r:id="rId5"/>
-    <p:sldId id="259" r:id="rId6"/>
-    <p:sldId id="260" r:id="rId7"/>
-    <p:sldId id="261" r:id="rId8"/>
-    <p:sldId id="262" r:id="rId9"/>
-    <p:sldId id="263" r:id="rId10"/>
-    <p:sldId id="264" r:id="rId11"/>
-    <p:sldId id="265" r:id="rId12"/>
-    <p:sldId id="266" r:id="rId13"/>
-    <p:sldId id="267" r:id="rId14"/>
-    <p:sldId id="268" r:id="rId15"/>
-    <p:sldId id="269" r:id="rId16"/>
-    <p:sldId id="270" r:id="rId17"/>
-    <p:sldId id="271" r:id="rId18"/>
+    <p:sldId id="256" r:id="rId6"/>
+    <p:sldId id="257" r:id="rId7"/>
+    <p:sldId id="258" r:id="rId8"/>
+    <p:sldId id="259" r:id="rId9"/>
+    <p:sldId id="260" r:id="rId10"/>
+    <p:sldId id="261" r:id="rId11"/>
+    <p:sldId id="262" r:id="rId12"/>
+    <p:sldId id="263" r:id="rId13"/>
+    <p:sldId id="264" r:id="rId14"/>
+    <p:sldId id="265" r:id="rId15"/>
+    <p:sldId id="266" r:id="rId16"/>
+    <p:sldId id="267" r:id="rId17"/>
+    <p:sldId id="268" r:id="rId18"/>
+    <p:sldId id="269" r:id="rId19"/>
+    <p:sldId id="270" r:id="rId20"/>
+    <p:sldId id="271" r:id="rId21"/>
   </p:sldIdLst>
   <p:sldSz cx="10080625" cy="5670550"/>
   <p:notesSz cx="7772400" cy="10058400"/>
@@ -126,6 +126,43 @@
     </p:ext>
   </p:extLst>
 </p:presentation>
+</file>
+
+<file path=ppt/revisionInfo.xml><?xml version="1.0" encoding="utf-8"?>
+<p1510:revInfo xmlns:a="http://schemas.openxmlformats.org/drawingml/2006/main" xmlns:r="http://schemas.openxmlformats.org/officeDocument/2006/relationships" xmlns:p1510="http://schemas.microsoft.com/office/powerpoint/2015/10/main">
+  <p1510:revLst>
+    <p1510:client id="{05196E80-CCEB-41E5-81E7-F3287767BC98}" v="7" dt="2024-01-02T20:29:13.025"/>
+  </p1510:revLst>
+</p1510:revInfo>
+</file>
+
+<file path=ppt/changesInfos/changesInfo1.xml><?xml version="1.0" encoding="utf-8"?>
+<pc:chgInfo xmlns:a="http://schemas.openxmlformats.org/drawingml/2006/main" xmlns:r="http://schemas.openxmlformats.org/officeDocument/2006/relationships" xmlns:ac="http://schemas.microsoft.com/office/drawing/2013/main/command" xmlns:pc="http://schemas.microsoft.com/office/powerpoint/2013/main/command">
+  <pc:docChgLst>
+    <pc:chgData name="Jason Carman" userId="S::jason.carman@senecapolytechnic.ca::1f74b0c8-6da4-4004-8dc4-296d09d1a81f" providerId="AD" clId="Web-{05196E80-CCEB-41E5-81E7-F3287767BC98}"/>
+    <pc:docChg chg="modSld">
+      <pc:chgData name="Jason Carman" userId="S::jason.carman@senecapolytechnic.ca::1f74b0c8-6da4-4004-8dc4-296d09d1a81f" providerId="AD" clId="Web-{05196E80-CCEB-41E5-81E7-F3287767BC98}" dt="2024-01-02T20:29:13.025" v="5" actId="20577"/>
+      <pc:docMkLst>
+        <pc:docMk/>
+      </pc:docMkLst>
+      <pc:sldChg chg="modSp">
+        <pc:chgData name="Jason Carman" userId="S::jason.carman@senecapolytechnic.ca::1f74b0c8-6da4-4004-8dc4-296d09d1a81f" providerId="AD" clId="Web-{05196E80-CCEB-41E5-81E7-F3287767BC98}" dt="2024-01-02T20:29:13.025" v="5" actId="20577"/>
+        <pc:sldMkLst>
+          <pc:docMk/>
+          <pc:sldMk cId="0" sldId="259"/>
+        </pc:sldMkLst>
+        <pc:spChg chg="mod">
+          <ac:chgData name="Jason Carman" userId="S::jason.carman@senecapolytechnic.ca::1f74b0c8-6da4-4004-8dc4-296d09d1a81f" providerId="AD" clId="Web-{05196E80-CCEB-41E5-81E7-F3287767BC98}" dt="2024-01-02T20:29:13.025" v="5" actId="20577"/>
+          <ac:spMkLst>
+            <pc:docMk/>
+            <pc:sldMk cId="0" sldId="259"/>
+            <ac:spMk id="85" creationId="{00000000-0000-0000-0000-000000000000}"/>
+          </ac:spMkLst>
+        </pc:spChg>
+      </pc:sldChg>
+    </pc:docChg>
+  </pc:docChgLst>
+</pc:chgInfo>
 </file>
 
 <file path=ppt/slideLayouts/slideLayout1.xml><?xml version="1.0" encoding="utf-8"?>
@@ -7083,12 +7120,12 @@
           </a:ln>
         </p:spPr>
         <p:txBody>
-          <a:bodyPr lIns="0" tIns="0" rIns="0" bIns="0">
+          <a:bodyPr lIns="0" tIns="0" rIns="0" bIns="0" anchor="t">
             <a:normAutofit fontScale="92500"/>
           </a:bodyPr>
           <a:lstStyle/>
           <a:p>
-            <a:pPr marL="432000" indent="-324000">
+            <a:pPr marL="431800" indent="-323850">
               <a:spcBef>
                 <a:spcPts val="1417"/>
               </a:spcBef>
@@ -7111,11 +7148,40 @@
                 </a:uFill>
                 <a:latin typeface="Arial"/>
               </a:rPr>
-              <a:t>In lab 1 you will install 1 CentOS system into a virtual environment hosted on a Windows machine using software called VMWare Workstation.</a:t>
-            </a:r>
-          </a:p>
-          <a:p>
-            <a:pPr marL="432000" indent="-324000">
+              <a:t>In lab 1 you will install 1 </a:t>
+            </a:r>
+            <a:r>
+              <a:rPr lang="en-CA" sz="3200" spc="-1">
+                <a:solidFill>
+                  <a:srgbClr val="000000"/>
+                </a:solidFill>
+                <a:uFill>
+                  <a:solidFill>
+                    <a:srgbClr val="FFFFFF"/>
+                  </a:solidFill>
+                </a:uFill>
+                <a:latin typeface="Arial"/>
+              </a:rPr>
+              <a:t>Debian</a:t>
+            </a:r>
+            <a:r>
+              <a:rPr lang="en-CA" sz="3200" b="0" strike="noStrike" spc="-1" dirty="0">
+                <a:solidFill>
+                  <a:srgbClr val="000000"/>
+                </a:solidFill>
+                <a:uFill>
+                  <a:solidFill>
+                    <a:srgbClr val="FFFFFF"/>
+                  </a:solidFill>
+                </a:uFill>
+                <a:latin typeface="Arial"/>
+              </a:rPr>
+              <a:t> system into a virtual environment hosted on a Windows machine using software called VMWare Workstation.</a:t>
+            </a:r>
+            <a:endParaRPr lang="en-US"/>
+          </a:p>
+          <a:p>
+            <a:pPr marL="431800" indent="-323850">
               <a:spcBef>
                 <a:spcPts val="1417"/>
               </a:spcBef>
@@ -7142,7 +7208,7 @@
             </a:r>
           </a:p>
           <a:p>
-            <a:pPr marL="432000" indent="-324000">
+            <a:pPr marL="431800" indent="-323850">
               <a:spcBef>
                 <a:spcPts val="1417"/>
               </a:spcBef>
@@ -8898,4 +8964,245 @@
   <a:objectDefaults/>
   <a:extraClrSchemeLst/>
 </a:theme>
+</file>
+
+<file path=customXml/item1.xml><?xml version="1.0" encoding="utf-8"?>
+<p:properties xmlns:p="http://schemas.microsoft.com/office/2006/metadata/properties" xmlns:xsi="http://www.w3.org/2001/XMLSchema-instance" xmlns:pc="http://schemas.microsoft.com/office/infopath/2007/PartnerControls">
+  <documentManagement>
+    <lcf76f155ced4ddcb4097134ff3c332f xmlns="c10caacb-b95b-4725-aa24-bc89bdc630be">
+      <Terms xmlns="http://schemas.microsoft.com/office/infopath/2007/PartnerControls"/>
+    </lcf76f155ced4ddcb4097134ff3c332f>
+    <TaxCatchAll xmlns="7127244f-425d-47e9-ac84-f3130e19f0cb" xsi:nil="true"/>
+  </documentManagement>
+</p:properties>
+</file>
+
+<file path=customXml/item2.xml><?xml version="1.0" encoding="utf-8"?>
+<?mso-contentType ?>
+<FormTemplates xmlns="http://schemas.microsoft.com/sharepoint/v3/contenttype/forms">
+  <Display>DocumentLibraryForm</Display>
+  <Edit>DocumentLibraryForm</Edit>
+  <New>DocumentLibraryForm</New>
+</FormTemplates>
+</file>
+
+<file path=customXml/item3.xml><?xml version="1.0" encoding="utf-8"?>
+<ct:contentTypeSchema xmlns:ct="http://schemas.microsoft.com/office/2006/metadata/contentType" xmlns:ma="http://schemas.microsoft.com/office/2006/metadata/properties/metaAttributes" ct:_="" ma:_="" ma:contentTypeName="Document" ma:contentTypeID="0x010100B163C3818C603C4E8FACEDDCB496AECF" ma:contentTypeVersion="9" ma:contentTypeDescription="Create a new document." ma:contentTypeScope="" ma:versionID="a06f37d012f27ac6faeab03c4b554419">
+  <xsd:schema xmlns:xsd="http://www.w3.org/2001/XMLSchema" xmlns:xs="http://www.w3.org/2001/XMLSchema" xmlns:p="http://schemas.microsoft.com/office/2006/metadata/properties" xmlns:ns2="c10caacb-b95b-4725-aa24-bc89bdc630be" xmlns:ns3="7127244f-425d-47e9-ac84-f3130e19f0cb" targetNamespace="http://schemas.microsoft.com/office/2006/metadata/properties" ma:root="true" ma:fieldsID="e2e4d438ce7bda7458c7c9e4f06908ff" ns2:_="" ns3:_="">
+    <xsd:import namespace="c10caacb-b95b-4725-aa24-bc89bdc630be"/>
+    <xsd:import namespace="7127244f-425d-47e9-ac84-f3130e19f0cb"/>
+    <xsd:element name="properties">
+      <xsd:complexType>
+        <xsd:sequence>
+          <xsd:element name="documentManagement">
+            <xsd:complexType>
+              <xsd:all>
+                <xsd:element ref="ns2:MediaServiceMetadata" minOccurs="0"/>
+                <xsd:element ref="ns2:MediaServiceFastMetadata" minOccurs="0"/>
+                <xsd:element ref="ns2:lcf76f155ced4ddcb4097134ff3c332f" minOccurs="0"/>
+                <xsd:element ref="ns3:TaxCatchAll" minOccurs="0"/>
+                <xsd:element ref="ns2:MediaServiceOCR" minOccurs="0"/>
+                <xsd:element ref="ns2:MediaServiceGenerationTime" minOccurs="0"/>
+                <xsd:element ref="ns2:MediaServiceEventHashCode" minOccurs="0"/>
+                <xsd:element ref="ns2:MediaServiceObjectDetectorVersions" minOccurs="0"/>
+              </xsd:all>
+            </xsd:complexType>
+          </xsd:element>
+        </xsd:sequence>
+      </xsd:complexType>
+    </xsd:element>
+  </xsd:schema>
+  <xsd:schema xmlns:xsd="http://www.w3.org/2001/XMLSchema" xmlns:xs="http://www.w3.org/2001/XMLSchema" xmlns:dms="http://schemas.microsoft.com/office/2006/documentManagement/types" xmlns:pc="http://schemas.microsoft.com/office/infopath/2007/PartnerControls" targetNamespace="c10caacb-b95b-4725-aa24-bc89bdc630be" elementFormDefault="qualified">
+    <xsd:import namespace="http://schemas.microsoft.com/office/2006/documentManagement/types"/>
+    <xsd:import namespace="http://schemas.microsoft.com/office/infopath/2007/PartnerControls"/>
+    <xsd:element name="MediaServiceMetadata" ma:index="8" nillable="true" ma:displayName="MediaServiceMetadata" ma:hidden="true" ma:internalName="MediaServiceMetadata" ma:readOnly="true">
+      <xsd:simpleType>
+        <xsd:restriction base="dms:Note"/>
+      </xsd:simpleType>
+    </xsd:element>
+    <xsd:element name="MediaServiceFastMetadata" ma:index="9" nillable="true" ma:displayName="MediaServiceFastMetadata" ma:hidden="true" ma:internalName="MediaServiceFastMetadata" ma:readOnly="true">
+      <xsd:simpleType>
+        <xsd:restriction base="dms:Note"/>
+      </xsd:simpleType>
+    </xsd:element>
+    <xsd:element name="lcf76f155ced4ddcb4097134ff3c332f" ma:index="11" nillable="true" ma:taxonomy="true" ma:internalName="lcf76f155ced4ddcb4097134ff3c332f" ma:taxonomyFieldName="MediaServiceImageTags" ma:displayName="Image Tags" ma:readOnly="false" ma:fieldId="{5cf76f15-5ced-4ddc-b409-7134ff3c332f}" ma:taxonomyMulti="true" ma:sspId="968e675e-7f51-40c4-b007-fcb928a1bb5b" ma:termSetId="09814cd3-568e-fe90-9814-8d621ff8fb84" ma:anchorId="fba54fb3-c3e1-fe81-a776-ca4b69148c4d" ma:open="true" ma:isKeyword="false">
+      <xsd:complexType>
+        <xsd:sequence>
+          <xsd:element ref="pc:Terms" minOccurs="0" maxOccurs="1"/>
+        </xsd:sequence>
+      </xsd:complexType>
+    </xsd:element>
+    <xsd:element name="MediaServiceOCR" ma:index="13" nillable="true" ma:displayName="Extracted Text" ma:internalName="MediaServiceOCR" ma:readOnly="true">
+      <xsd:simpleType>
+        <xsd:restriction base="dms:Note">
+          <xsd:maxLength value="255"/>
+        </xsd:restriction>
+      </xsd:simpleType>
+    </xsd:element>
+    <xsd:element name="MediaServiceGenerationTime" ma:index="14" nillable="true" ma:displayName="MediaServiceGenerationTime" ma:hidden="true" ma:internalName="MediaServiceGenerationTime" ma:readOnly="true">
+      <xsd:simpleType>
+        <xsd:restriction base="dms:Text"/>
+      </xsd:simpleType>
+    </xsd:element>
+    <xsd:element name="MediaServiceEventHashCode" ma:index="15" nillable="true" ma:displayName="MediaServiceEventHashCode" ma:hidden="true" ma:internalName="MediaServiceEventHashCode" ma:readOnly="true">
+      <xsd:simpleType>
+        <xsd:restriction base="dms:Text"/>
+      </xsd:simpleType>
+    </xsd:element>
+    <xsd:element name="MediaServiceObjectDetectorVersions" ma:index="16" nillable="true" ma:displayName="MediaServiceObjectDetectorVersions" ma:hidden="true" ma:indexed="true" ma:internalName="MediaServiceObjectDetectorVersions" ma:readOnly="true">
+      <xsd:simpleType>
+        <xsd:restriction base="dms:Text"/>
+      </xsd:simpleType>
+    </xsd:element>
+  </xsd:schema>
+  <xsd:schema xmlns:xsd="http://www.w3.org/2001/XMLSchema" xmlns:xs="http://www.w3.org/2001/XMLSchema" xmlns:dms="http://schemas.microsoft.com/office/2006/documentManagement/types" xmlns:pc="http://schemas.microsoft.com/office/infopath/2007/PartnerControls" targetNamespace="7127244f-425d-47e9-ac84-f3130e19f0cb" elementFormDefault="qualified">
+    <xsd:import namespace="http://schemas.microsoft.com/office/2006/documentManagement/types"/>
+    <xsd:import namespace="http://schemas.microsoft.com/office/infopath/2007/PartnerControls"/>
+    <xsd:element name="TaxCatchAll" ma:index="12" nillable="true" ma:displayName="Taxonomy Catch All Column" ma:hidden="true" ma:list="{e99bf807-153c-4f33-8b51-d0637107e922}" ma:internalName="TaxCatchAll" ma:showField="CatchAllData" ma:web="7127244f-425d-47e9-ac84-f3130e19f0cb">
+      <xsd:complexType>
+        <xsd:complexContent>
+          <xsd:extension base="dms:MultiChoiceLookup">
+            <xsd:sequence>
+              <xsd:element name="Value" type="dms:Lookup" maxOccurs="unbounded" minOccurs="0" nillable="true"/>
+            </xsd:sequence>
+          </xsd:extension>
+        </xsd:complexContent>
+      </xsd:complexType>
+    </xsd:element>
+  </xsd:schema>
+  <xsd:schema xmlns="http://schemas.openxmlformats.org/package/2006/metadata/core-properties" xmlns:xsd="http://www.w3.org/2001/XMLSchema" xmlns:xsi="http://www.w3.org/2001/XMLSchema-instance" xmlns:dc="http://purl.org/dc/elements/1.1/" xmlns:dcterms="http://purl.org/dc/terms/" xmlns:odoc="http://schemas.microsoft.com/internal/obd" targetNamespace="http://schemas.openxmlformats.org/package/2006/metadata/core-properties" elementFormDefault="qualified" attributeFormDefault="unqualified" blockDefault="#all">
+    <xsd:import namespace="http://purl.org/dc/elements/1.1/" schemaLocation="http://dublincore.org/schemas/xmls/qdc/2003/04/02/dc.xsd"/>
+    <xsd:import namespace="http://purl.org/dc/terms/" schemaLocation="http://dublincore.org/schemas/xmls/qdc/2003/04/02/dcterms.xsd"/>
+    <xsd:element name="coreProperties" type="CT_coreProperties"/>
+    <xsd:complexType name="CT_coreProperties">
+      <xsd:all>
+        <xsd:element ref="dc:creator" minOccurs="0" maxOccurs="1"/>
+        <xsd:element ref="dcterms:created" minOccurs="0" maxOccurs="1"/>
+        <xsd:element ref="dc:identifier" minOccurs="0" maxOccurs="1"/>
+        <xsd:element name="contentType" minOccurs="0" maxOccurs="1" type="xsd:string" ma:index="0" ma:displayName="Content Type"/>
+        <xsd:element ref="dc:title" minOccurs="0" maxOccurs="1" ma:index="4" ma:displayName="Title"/>
+        <xsd:element ref="dc:subject" minOccurs="0" maxOccurs="1"/>
+        <xsd:element ref="dc:description" minOccurs="0" maxOccurs="1"/>
+        <xsd:element name="keywords" minOccurs="0" maxOccurs="1" type="xsd:string"/>
+        <xsd:element ref="dc:language" minOccurs="0" maxOccurs="1"/>
+        <xsd:element name="category" minOccurs="0" maxOccurs="1" type="xsd:string"/>
+        <xsd:element name="version" minOccurs="0" maxOccurs="1" type="xsd:string"/>
+        <xsd:element name="revision" minOccurs="0" maxOccurs="1" type="xsd:string">
+          <xsd:annotation>
+            <xsd:documentation>
+                        This value indicates the number of saves or revisions. The application is responsible for updating this value after each revision.
+                    </xsd:documentation>
+          </xsd:annotation>
+        </xsd:element>
+        <xsd:element name="lastModifiedBy" minOccurs="0" maxOccurs="1" type="xsd:string"/>
+        <xsd:element ref="dcterms:modified" minOccurs="0" maxOccurs="1"/>
+        <xsd:element name="contentStatus" minOccurs="0" maxOccurs="1" type="xsd:string"/>
+      </xsd:all>
+    </xsd:complexType>
+  </xsd:schema>
+  <xs:schema xmlns:pc="http://schemas.microsoft.com/office/infopath/2007/PartnerControls" xmlns:xs="http://www.w3.org/2001/XMLSchema" targetNamespace="http://schemas.microsoft.com/office/infopath/2007/PartnerControls" elementFormDefault="qualified" attributeFormDefault="unqualified">
+    <xs:element name="Person">
+      <xs:complexType>
+        <xs:sequence>
+          <xs:element ref="pc:DisplayName" minOccurs="0"/>
+          <xs:element ref="pc:AccountId" minOccurs="0"/>
+          <xs:element ref="pc:AccountType" minOccurs="0"/>
+        </xs:sequence>
+      </xs:complexType>
+    </xs:element>
+    <xs:element name="DisplayName" type="xs:string"/>
+    <xs:element name="AccountId" type="xs:string"/>
+    <xs:element name="AccountType" type="xs:string"/>
+    <xs:element name="BDCAssociatedEntity">
+      <xs:complexType>
+        <xs:sequence>
+          <xs:element ref="pc:BDCEntity" minOccurs="0" maxOccurs="unbounded"/>
+        </xs:sequence>
+        <xs:attribute ref="pc:EntityNamespace"/>
+        <xs:attribute ref="pc:EntityName"/>
+        <xs:attribute ref="pc:SystemInstanceName"/>
+        <xs:attribute ref="pc:AssociationName"/>
+      </xs:complexType>
+    </xs:element>
+    <xs:attribute name="EntityNamespace" type="xs:string"/>
+    <xs:attribute name="EntityName" type="xs:string"/>
+    <xs:attribute name="SystemInstanceName" type="xs:string"/>
+    <xs:attribute name="AssociationName" type="xs:string"/>
+    <xs:element name="BDCEntity">
+      <xs:complexType>
+        <xs:sequence>
+          <xs:element ref="pc:EntityDisplayName" minOccurs="0"/>
+          <xs:element ref="pc:EntityInstanceReference" minOccurs="0"/>
+          <xs:element ref="pc:EntityId1" minOccurs="0"/>
+          <xs:element ref="pc:EntityId2" minOccurs="0"/>
+          <xs:element ref="pc:EntityId3" minOccurs="0"/>
+          <xs:element ref="pc:EntityId4" minOccurs="0"/>
+          <xs:element ref="pc:EntityId5" minOccurs="0"/>
+        </xs:sequence>
+      </xs:complexType>
+    </xs:element>
+    <xs:element name="EntityDisplayName" type="xs:string"/>
+    <xs:element name="EntityInstanceReference" type="xs:string"/>
+    <xs:element name="EntityId1" type="xs:string"/>
+    <xs:element name="EntityId2" type="xs:string"/>
+    <xs:element name="EntityId3" type="xs:string"/>
+    <xs:element name="EntityId4" type="xs:string"/>
+    <xs:element name="EntityId5" type="xs:string"/>
+    <xs:element name="Terms">
+      <xs:complexType>
+        <xs:sequence>
+          <xs:element ref="pc:TermInfo" minOccurs="0" maxOccurs="unbounded"/>
+        </xs:sequence>
+      </xs:complexType>
+    </xs:element>
+    <xs:element name="TermInfo">
+      <xs:complexType>
+        <xs:sequence>
+          <xs:element ref="pc:TermName" minOccurs="0"/>
+          <xs:element ref="pc:TermId" minOccurs="0"/>
+        </xs:sequence>
+      </xs:complexType>
+    </xs:element>
+    <xs:element name="TermName" type="xs:string"/>
+    <xs:element name="TermId" type="xs:string"/>
+  </xs:schema>
+</ct:contentTypeSchema>
+</file>
+
+<file path=customXml/itemProps1.xml><?xml version="1.0" encoding="utf-8"?>
+<ds:datastoreItem xmlns:ds="http://schemas.openxmlformats.org/officeDocument/2006/customXml" ds:itemID="{98EFCD04-BEEA-4D31-8BE7-17BE6C713A0E}">
+  <ds:schemaRefs>
+    <ds:schemaRef ds:uri="http://schemas.microsoft.com/office/2006/metadata/properties"/>
+    <ds:schemaRef ds:uri="http://schemas.microsoft.com/office/infopath/2007/PartnerControls"/>
+    <ds:schemaRef ds:uri="c10caacb-b95b-4725-aa24-bc89bdc630be"/>
+    <ds:schemaRef ds:uri="7127244f-425d-47e9-ac84-f3130e19f0cb"/>
+  </ds:schemaRefs>
+</ds:datastoreItem>
+</file>
+
+<file path=customXml/itemProps2.xml><?xml version="1.0" encoding="utf-8"?>
+<ds:datastoreItem xmlns:ds="http://schemas.openxmlformats.org/officeDocument/2006/customXml" ds:itemID="{D6329E54-372D-4463-8BE3-7C180B9402A0}">
+  <ds:schemaRefs>
+    <ds:schemaRef ds:uri="http://schemas.microsoft.com/sharepoint/v3/contenttype/forms"/>
+  </ds:schemaRefs>
+</ds:datastoreItem>
+</file>
+
+<file path=customXml/itemProps3.xml><?xml version="1.0" encoding="utf-8"?>
+<ds:datastoreItem xmlns:ds="http://schemas.openxmlformats.org/officeDocument/2006/customXml" ds:itemID="{7D19563D-69EB-4EC6-A706-8FA1FF4CEAFA}">
+  <ds:schemaRefs>
+    <ds:schemaRef ds:uri="http://schemas.microsoft.com/office/2006/metadata/contentType"/>
+    <ds:schemaRef ds:uri="http://schemas.microsoft.com/office/2006/metadata/properties/metaAttributes"/>
+    <ds:schemaRef ds:uri="http://www.w3.org/2001/XMLSchema"/>
+    <ds:schemaRef ds:uri="http://schemas.microsoft.com/office/2006/metadata/properties"/>
+    <ds:schemaRef ds:uri="c10caacb-b95b-4725-aa24-bc89bdc630be"/>
+    <ds:schemaRef ds:uri="7127244f-425d-47e9-ac84-f3130e19f0cb"/>
+    <ds:schemaRef ds:uri="http://schemas.microsoft.com/office/2006/documentManagement/types"/>
+    <ds:schemaRef ds:uri="http://schemas.microsoft.com/office/infopath/2007/PartnerControls"/>
+    <ds:schemaRef ds:uri="http://schemas.openxmlformats.org/package/2006/metadata/core-properties"/>
+    <ds:schemaRef ds:uri="http://purl.org/dc/elements/1.1/"/>
+    <ds:schemaRef ds:uri="http://purl.org/dc/terms/"/>
+    <ds:schemaRef ds:uri="http://schemas.microsoft.com/internal/obd"/>
+  </ds:schemaRefs>
+</ds:datastoreItem>
 </file>